--- a/presentation/要件定義書.pptx
+++ b/presentation/要件定義書.pptx
@@ -6620,39 +6620,6 @@
             <a:r>
               <a:rPr lang="ja-JP" altLang="en-US" sz="1400"/>
               <a:t>スタンドアロン</a:t>
-            </a:r>
-            <a:r>
-              <a:rPr lang="en-US" altLang="ja-JP" sz="1400" dirty="0"/>
-              <a:t>)</a:t>
-            </a:r>
-            <a:br>
-              <a:rPr lang="en-US" altLang="ja-JP" sz="1400" dirty="0"/>
-            </a:br>
-            <a:br>
-              <a:rPr lang="en-US" altLang="ja-JP" sz="1400" dirty="0"/>
-            </a:br>
-            <a:r>
-              <a:rPr lang="ja-JP" altLang="en-US" sz="1400"/>
-              <a:t>・予測処理の開始から結果の出力までのターンアラウンドタイムは</a:t>
-            </a:r>
-            <a:r>
-              <a:rPr lang="en-US" altLang="ja-JP" sz="1400" dirty="0"/>
-              <a:t>10</a:t>
-            </a:r>
-            <a:r>
-              <a:rPr lang="ja-JP" altLang="en-US" sz="1400"/>
-              <a:t>秒以内</a:t>
-            </a:r>
-            <a:br>
-              <a:rPr lang="en-US" altLang="ja-JP" sz="1400" dirty="0"/>
-            </a:br>
-            <a:r>
-              <a:rPr lang="en-US" altLang="ja-JP" sz="1400" dirty="0"/>
-              <a:t>  (</a:t>
-            </a:r>
-            <a:r>
-              <a:rPr lang="ja-JP" altLang="en-US" sz="1400"/>
-              <a:t>ただし、計測は開発機のスペックを基準とする</a:t>
             </a:r>
             <a:r>
               <a:rPr lang="en-US" altLang="ja-JP" sz="1400" dirty="0"/>

--- a/presentation/要件定義書.pptx
+++ b/presentation/要件定義書.pptx
@@ -307,7 +307,7 @@
           <a:p>
             <a:fld id="{E90ED720-0104-4369-84BC-D37694168613}" type="datetimeFigureOut">
               <a:rPr kumimoji="1" lang="ja-JP" altLang="en-US" smtClean="0"/>
-              <a:t>2018/4/28</a:t>
+              <a:t>2018/4/29</a:t>
             </a:fld>
             <a:endParaRPr kumimoji="1" lang="ja-JP" altLang="en-US"/>
           </a:p>
@@ -502,7 +502,7 @@
           <a:p>
             <a:fld id="{E90ED720-0104-4369-84BC-D37694168613}" type="datetimeFigureOut">
               <a:rPr kumimoji="1" lang="ja-JP" altLang="en-US" smtClean="0"/>
-              <a:t>2018/4/28</a:t>
+              <a:t>2018/4/29</a:t>
             </a:fld>
             <a:endParaRPr kumimoji="1" lang="ja-JP" altLang="en-US"/>
           </a:p>
@@ -707,7 +707,7 @@
           <a:p>
             <a:fld id="{E90ED720-0104-4369-84BC-D37694168613}" type="datetimeFigureOut">
               <a:rPr kumimoji="1" lang="ja-JP" altLang="en-US" smtClean="0"/>
-              <a:t>2018/4/28</a:t>
+              <a:t>2018/4/29</a:t>
             </a:fld>
             <a:endParaRPr kumimoji="1" lang="ja-JP" altLang="en-US"/>
           </a:p>
@@ -902,7 +902,7 @@
           <a:p>
             <a:fld id="{E90ED720-0104-4369-84BC-D37694168613}" type="datetimeFigureOut">
               <a:rPr kumimoji="1" lang="ja-JP" altLang="en-US" smtClean="0"/>
-              <a:t>2018/4/28</a:t>
+              <a:t>2018/4/29</a:t>
             </a:fld>
             <a:endParaRPr kumimoji="1" lang="ja-JP" altLang="en-US"/>
           </a:p>
@@ -1142,7 +1142,7 @@
           <a:p>
             <a:fld id="{E90ED720-0104-4369-84BC-D37694168613}" type="datetimeFigureOut">
               <a:rPr kumimoji="1" lang="ja-JP" altLang="en-US" smtClean="0"/>
-              <a:t>2018/4/28</a:t>
+              <a:t>2018/4/29</a:t>
             </a:fld>
             <a:endParaRPr kumimoji="1" lang="ja-JP" altLang="en-US"/>
           </a:p>
@@ -1486,7 +1486,7 @@
           <a:p>
             <a:fld id="{E90ED720-0104-4369-84BC-D37694168613}" type="datetimeFigureOut">
               <a:rPr kumimoji="1" lang="ja-JP" altLang="en-US" smtClean="0"/>
-              <a:t>2018/4/28</a:t>
+              <a:t>2018/4/29</a:t>
             </a:fld>
             <a:endParaRPr kumimoji="1" lang="ja-JP" altLang="en-US"/>
           </a:p>
@@ -1964,7 +1964,7 @@
           <a:p>
             <a:fld id="{E90ED720-0104-4369-84BC-D37694168613}" type="datetimeFigureOut">
               <a:rPr kumimoji="1" lang="ja-JP" altLang="en-US" smtClean="0"/>
-              <a:t>2018/4/28</a:t>
+              <a:t>2018/4/29</a:t>
             </a:fld>
             <a:endParaRPr kumimoji="1" lang="ja-JP" altLang="en-US"/>
           </a:p>
@@ -2076,7 +2076,7 @@
           <a:p>
             <a:fld id="{E90ED720-0104-4369-84BC-D37694168613}" type="datetimeFigureOut">
               <a:rPr kumimoji="1" lang="ja-JP" altLang="en-US" smtClean="0"/>
-              <a:t>2018/4/28</a:t>
+              <a:t>2018/4/29</a:t>
             </a:fld>
             <a:endParaRPr kumimoji="1" lang="ja-JP" altLang="en-US"/>
           </a:p>
@@ -2166,7 +2166,7 @@
           <a:p>
             <a:fld id="{E90ED720-0104-4369-84BC-D37694168613}" type="datetimeFigureOut">
               <a:rPr kumimoji="1" lang="ja-JP" altLang="en-US" smtClean="0"/>
-              <a:t>2018/4/28</a:t>
+              <a:t>2018/4/29</a:t>
             </a:fld>
             <a:endParaRPr kumimoji="1" lang="ja-JP" altLang="en-US"/>
           </a:p>
@@ -2468,7 +2468,7 @@
           <a:p>
             <a:fld id="{E90ED720-0104-4369-84BC-D37694168613}" type="datetimeFigureOut">
               <a:rPr kumimoji="1" lang="ja-JP" altLang="en-US" smtClean="0"/>
-              <a:t>2018/4/28</a:t>
+              <a:t>2018/4/29</a:t>
             </a:fld>
             <a:endParaRPr kumimoji="1" lang="ja-JP" altLang="en-US"/>
           </a:p>
@@ -2715,7 +2715,7 @@
           <a:p>
             <a:fld id="{E90ED720-0104-4369-84BC-D37694168613}" type="datetimeFigureOut">
               <a:rPr kumimoji="1" lang="ja-JP" altLang="en-US" smtClean="0"/>
-              <a:t>2018/4/28</a:t>
+              <a:t>2018/4/29</a:t>
             </a:fld>
             <a:endParaRPr kumimoji="1" lang="ja-JP" altLang="en-US"/>
           </a:p>
@@ -2953,7 +2953,7 @@
           <a:p>
             <a:fld id="{E90ED720-0104-4369-84BC-D37694168613}" type="datetimeFigureOut">
               <a:rPr kumimoji="1" lang="ja-JP" altLang="en-US" smtClean="0"/>
-              <a:t>2018/4/28</a:t>
+              <a:t>2018/4/29</a:t>
             </a:fld>
             <a:endParaRPr kumimoji="1" lang="ja-JP" altLang="en-US"/>
           </a:p>
@@ -3517,7 +3517,7 @@
         <p:spPr>
           <a:xfrm>
             <a:off x="683568" y="836712"/>
-            <a:ext cx="7776864" cy="4234482"/>
+            <a:ext cx="7776864" cy="4968552"/>
           </a:xfrm>
         </p:spPr>
         <p:txBody>
@@ -3547,7 +3547,15 @@
             </a:r>
             <a:r>
               <a:rPr lang="en-US" altLang="ja-JP" sz="1400" dirty="0"/>
-              <a:t>ADHD</a:t>
+              <a:t>ADHD(</a:t>
+            </a:r>
+            <a:r>
+              <a:rPr lang="ja-JP" altLang="en-US" sz="1400"/>
+              <a:t>注</a:t>
+            </a:r>
+            <a:r>
+              <a:rPr lang="en-US" altLang="ja-JP" sz="1400" dirty="0"/>
+              <a:t>)</a:t>
             </a:r>
             <a:r>
               <a:rPr lang="ja-JP" altLang="en-US" sz="1400"/>
@@ -3651,9 +3659,6 @@
             <a:br>
               <a:rPr lang="en-US" altLang="ja-JP" sz="1400" dirty="0"/>
             </a:br>
-            <a:br>
-              <a:rPr lang="en-US" altLang="ja-JP" sz="1400" dirty="0"/>
-            </a:br>
             <a:r>
               <a:rPr lang="ja-JP" altLang="en-US" sz="1400"/>
               <a:t>このような状況を改善するために、今回、診断の客観性の向上と被験者の負担の減少を目的とし、</a:t>
@@ -3674,7 +3679,76 @@
               <a:rPr lang="ja-JP" altLang="en-US" sz="1400"/>
               <a:t>を予測するシステムを導入することを目標とする。</a:t>
             </a:r>
-            <a:endParaRPr kumimoji="1" lang="ja-JP" altLang="en-US" sz="1800"/>
+            <a:br>
+              <a:rPr lang="en-US" altLang="ja-JP" sz="1400" dirty="0"/>
+            </a:br>
+            <a:br>
+              <a:rPr lang="en-US" altLang="ja-JP" sz="1400" dirty="0"/>
+            </a:br>
+            <a:br>
+              <a:rPr lang="en-US" altLang="ja-JP" sz="1400" dirty="0"/>
+            </a:br>
+            <a:r>
+              <a:rPr lang="en-US" altLang="ja-JP" sz="1000" dirty="0"/>
+              <a:t>(</a:t>
+            </a:r>
+            <a:r>
+              <a:rPr lang="ja-JP" altLang="en-US" sz="1000"/>
+              <a:t>注</a:t>
+            </a:r>
+            <a:r>
+              <a:rPr lang="en-US" altLang="ja-JP" sz="1000" dirty="0"/>
+              <a:t>) ADHD</a:t>
+            </a:r>
+            <a:r>
+              <a:rPr lang="ja-JP" altLang="en-US" sz="1000"/>
+              <a:t>とは脳の発達障害の一種である「注意欠如・多動症 </a:t>
+            </a:r>
+            <a:r>
+              <a:rPr lang="en-US" altLang="ja-JP" sz="1000" dirty="0"/>
+              <a:t>/ </a:t>
+            </a:r>
+            <a:r>
+              <a:rPr lang="ja-JP" altLang="en-US" sz="1000"/>
+              <a:t>注意欠如・多動性障害」のことで、英語の「</a:t>
+            </a:r>
+            <a:r>
+              <a:rPr lang="en-US" altLang="ja-JP" sz="1000" dirty="0"/>
+              <a:t>Attention-Deficit / Hyperactivity Disorder</a:t>
+            </a:r>
+            <a:r>
+              <a:rPr lang="ja-JP" altLang="en-US" sz="1000"/>
+              <a:t>」の頭文字をとった名称である。</a:t>
+            </a:r>
+            <a:br>
+              <a:rPr lang="ja-JP" altLang="en-US" sz="1000"/>
+            </a:br>
+            <a:r>
+              <a:rPr lang="en-US" altLang="ja-JP" sz="1000" dirty="0"/>
+              <a:t>ADHD</a:t>
+            </a:r>
+            <a:r>
+              <a:rPr lang="ja-JP" altLang="en-US" sz="1000"/>
+              <a:t>の一般的な症状として、落ち着きのなさ、衝動的な行動、集中力の欠如などが挙げられる。</a:t>
+            </a:r>
+            <a:br>
+              <a:rPr lang="en-US" altLang="ja-JP" sz="1000" dirty="0"/>
+            </a:br>
+            <a:r>
+              <a:rPr lang="ja-JP" altLang="en-US" sz="1000"/>
+              <a:t>成人しても完治することはなく、仕事や学業、日常のコミュニケーションに支障をきたすとがある。</a:t>
+            </a:r>
+            <a:br>
+              <a:rPr lang="en-US" altLang="ja-JP" sz="1000" dirty="0"/>
+            </a:br>
+            <a:r>
+              <a:rPr lang="ja-JP" altLang="en-US" sz="1000"/>
+              <a:t>治療方法としては、学校や会社としての社会的な取り組みや、薬による治療などがある。</a:t>
+            </a:r>
+            <a:br>
+              <a:rPr lang="en-US" altLang="ja-JP" sz="1000" dirty="0"/>
+            </a:br>
+            <a:endParaRPr kumimoji="1" lang="ja-JP" altLang="en-US" sz="1000"/>
           </a:p>
         </p:txBody>
       </p:sp>
